--- a/device_model/wbz451_curiosity-2.pptx
+++ b/device_model/wbz451_curiosity-2.pptx
@@ -3137,7 +3137,7 @@
           <p:nvPr>
             <p:extLst>
               <p:ext uri="{D42A27DB-BD31-4B8C-83A1-F6EECF244321}">
-                <p14:modId xmlns:p14="http://schemas.microsoft.com/office/powerpoint/2010/main" val="1073667829"/>
+                <p14:modId xmlns:p14="http://schemas.microsoft.com/office/powerpoint/2010/main" val="1498353787"/>
               </p:ext>
             </p:extLst>
           </p:nvPr>
@@ -3502,7 +3502,27 @@
                           <a:latin typeface="Courier New" panose="02070309020205020404" pitchFamily="49" charset="0"/>
                           <a:cs typeface="Courier New" panose="02070309020205020404" pitchFamily="49" charset="0"/>
                         </a:rPr>
-                        <a:t>”:{“button_name”:“SW2”, “press_count”:7}}</a:t>
+                        <a:t>”:{“</a:t>
+                      </a:r>
+                      <a:r>
+                        <a:rPr lang="en-US" sz="1200" dirty="0" err="1">
+                          <a:solidFill>
+                            <a:schemeClr val="tx1"/>
+                          </a:solidFill>
+                          <a:latin typeface="Courier New" panose="02070309020205020404" pitchFamily="49" charset="0"/>
+                          <a:cs typeface="Courier New" panose="02070309020205020404" pitchFamily="49" charset="0"/>
+                        </a:rPr>
+                        <a:t>button_name”:“USR-BTN</a:t>
+                      </a:r>
+                      <a:r>
+                        <a:rPr lang="en-US" sz="1200" dirty="0">
+                          <a:solidFill>
+                            <a:schemeClr val="tx1"/>
+                          </a:solidFill>
+                          <a:latin typeface="Courier New" panose="02070309020205020404" pitchFamily="49" charset="0"/>
+                          <a:cs typeface="Courier New" panose="02070309020205020404" pitchFamily="49" charset="0"/>
+                        </a:rPr>
+                        <a:t>”, “press_count”:7}}</a:t>
                       </a:r>
                     </a:p>
                   </a:txBody>
@@ -6412,15 +6432,6 @@
 </file>
 
 <file path=customXml/item1.xml><?xml version="1.0" encoding="utf-8"?>
-<?mso-contentType ?>
-<FormTemplates xmlns="http://schemas.microsoft.com/sharepoint/v3/contenttype/forms">
-  <Display>DocumentLibraryForm</Display>
-  <Edit>DocumentLibraryForm</Edit>
-  <New>DocumentLibraryForm</New>
-</FormTemplates>
-</file>
-
-<file path=customXml/item2.xml><?xml version="1.0" encoding="utf-8"?>
 <ct:contentTypeSchema xmlns:ct="http://schemas.microsoft.com/office/2006/metadata/contentType" xmlns:ma="http://schemas.microsoft.com/office/2006/metadata/properties/metaAttributes" ct:_="" ma:_="" ma:contentTypeName="Document" ma:contentTypeID="0x0101004133D5F967D14C478A9B93B6E4AAE0A1" ma:contentTypeVersion="12" ma:contentTypeDescription="Create a new document." ma:contentTypeScope="" ma:versionID="be39687eb0009d0a279fadb1ee38cbf3">
   <xsd:schema xmlns:xsd="http://www.w3.org/2001/XMLSchema" xmlns:xs="http://www.w3.org/2001/XMLSchema" xmlns:p="http://schemas.microsoft.com/office/2006/metadata/properties" xmlns:ns2="33c4a4ff-b22f-4379-b335-5d18aca9a9f1" xmlns:ns3="558cdac9-e1e2-427d-84c4-2e31b7ae4963" targetNamespace="http://schemas.microsoft.com/office/2006/metadata/properties" ma:root="true" ma:fieldsID="7252c307e70b2973b92a92ec92737868" ns2:_="" ns3:_="">
     <xsd:import namespace="33c4a4ff-b22f-4379-b335-5d18aca9a9f1"/>
@@ -6615,6 +6626,15 @@
 </ct:contentTypeSchema>
 </file>
 
+<file path=customXml/item2.xml><?xml version="1.0" encoding="utf-8"?>
+<?mso-contentType ?>
+<FormTemplates xmlns="http://schemas.microsoft.com/sharepoint/v3/contenttype/forms">
+  <Display>DocumentLibraryForm</Display>
+  <Edit>DocumentLibraryForm</Edit>
+  <New>DocumentLibraryForm</New>
+</FormTemplates>
+</file>
+
 <file path=customXml/item3.xml><?xml version="1.0" encoding="utf-8"?>
 <p:properties xmlns:p="http://schemas.microsoft.com/office/2006/metadata/properties" xmlns:xsi="http://www.w3.org/2001/XMLSchema-instance" xmlns:pc="http://schemas.microsoft.com/office/infopath/2007/PartnerControls">
   <documentManagement>
@@ -6627,14 +6647,6 @@
 </file>
 
 <file path=customXml/itemProps1.xml><?xml version="1.0" encoding="utf-8"?>
-<ds:datastoreItem xmlns:ds="http://schemas.openxmlformats.org/officeDocument/2006/customXml" ds:itemID="{DA8BEAEE-6B1D-4561-8298-B3692BAE161A}">
-  <ds:schemaRefs>
-    <ds:schemaRef ds:uri="http://schemas.microsoft.com/sharepoint/v3/contenttype/forms"/>
-  </ds:schemaRefs>
-</ds:datastoreItem>
-</file>
-
-<file path=customXml/itemProps2.xml><?xml version="1.0" encoding="utf-8"?>
 <ds:datastoreItem xmlns:ds="http://schemas.openxmlformats.org/officeDocument/2006/customXml" ds:itemID="{83E0CF9D-0F51-4E15-AFD5-E6866B97076E}">
   <ds:schemaRefs>
     <ds:schemaRef ds:uri="http://schemas.microsoft.com/office/2006/metadata/contentType"/>
@@ -6649,6 +6661,14 @@
     <ds:schemaRef ds:uri="http://purl.org/dc/elements/1.1/"/>
     <ds:schemaRef ds:uri="http://purl.org/dc/terms/"/>
     <ds:schemaRef ds:uri="http://schemas.microsoft.com/internal/obd"/>
+  </ds:schemaRefs>
+</ds:datastoreItem>
+</file>
+
+<file path=customXml/itemProps2.xml><?xml version="1.0" encoding="utf-8"?>
+<ds:datastoreItem xmlns:ds="http://schemas.openxmlformats.org/officeDocument/2006/customXml" ds:itemID="{DA8BEAEE-6B1D-4561-8298-B3692BAE161A}">
+  <ds:schemaRefs>
+    <ds:schemaRef ds:uri="http://schemas.microsoft.com/sharepoint/v3/contenttype/forms"/>
   </ds:schemaRefs>
 </ds:datastoreItem>
 </file>

--- a/device_model/wbz451_curiosity-2.pptx
+++ b/device_model/wbz451_curiosity-2.pptx
@@ -5,10 +5,11 @@
     <p:sldMasterId id="2147483660" r:id="rId4"/>
   </p:sldMasterIdLst>
   <p:notesMasterIdLst>
-    <p:notesMasterId r:id="rId6"/>
+    <p:notesMasterId r:id="rId7"/>
   </p:notesMasterIdLst>
   <p:sldIdLst>
     <p:sldId id="2146846956" r:id="rId5"/>
+    <p:sldId id="2146846957" r:id="rId6"/>
   </p:sldIdLst>
   <p:sldSz cx="9144000" cy="6858000" type="screen4x3"/>
   <p:notesSz cx="7010400" cy="9296400"/>
@@ -197,7 +198,7 @@
           <a:p>
             <a:fld id="{FD501506-38D8-4E22-82D3-5FD4ADAE0670}" type="datetimeFigureOut">
               <a:rPr lang="en-US" smtClean="0"/>
-              <a:t>4/29/23</a:t>
+              <a:t>5/1/23</a:t>
             </a:fld>
             <a:endParaRPr lang="en-US"/>
           </a:p>
@@ -649,7 +650,7 @@
           <a:p>
             <a:fld id="{3620004A-883C-4245-985B-D234050ABC20}" type="datetimeFigureOut">
               <a:rPr lang="en-US" smtClean="0"/>
-              <a:t>4/29/23</a:t>
+              <a:t>5/1/23</a:t>
             </a:fld>
             <a:endParaRPr lang="en-US"/>
           </a:p>
@@ -2576,7 +2577,7 @@
           <a:p>
             <a:fld id="{3620004A-883C-4245-985B-D234050ABC20}" type="datetimeFigureOut">
               <a:rPr lang="en-US" smtClean="0"/>
-              <a:t>4/29/23</a:t>
+              <a:t>5/1/23</a:t>
             </a:fld>
             <a:endParaRPr lang="en-US"/>
           </a:p>
@@ -3137,14 +3138,14 @@
           <p:nvPr>
             <p:extLst>
               <p:ext uri="{D42A27DB-BD31-4B8C-83A1-F6EECF244321}">
-                <p14:modId xmlns:p14="http://schemas.microsoft.com/office/powerpoint/2010/main" val="1498353787"/>
+                <p14:modId xmlns:p14="http://schemas.microsoft.com/office/powerpoint/2010/main" val="3368520730"/>
               </p:ext>
             </p:extLst>
           </p:nvPr>
         </p:nvGraphicFramePr>
         <p:xfrm>
-          <a:off x="286542" y="1309847"/>
-          <a:ext cx="8570916" cy="5423575"/>
+          <a:off x="286542" y="1541075"/>
+          <a:ext cx="8570916" cy="4589418"/>
         </p:xfrm>
         <a:graphic>
           <a:graphicData uri="http://schemas.openxmlformats.org/drawingml/2006/table">
@@ -3559,6 +3560,146 @@
                       </a:pPr>
                       <a:r>
                         <a:rPr lang="en-US" sz="1200" dirty="0"/>
+                        <a:t>Telemetry</a:t>
+                      </a:r>
+                    </a:p>
+                  </a:txBody>
+                  <a:tcPr/>
+                </a:tc>
+                <a:tc>
+                  <a:txBody>
+                    <a:bodyPr/>
+                    <a:lstStyle/>
+                    <a:p>
+                      <a:pPr algn="ctr"/>
+                      <a:r>
+                        <a:rPr lang="en-US" sz="1200" dirty="0" err="1">
+                          <a:solidFill>
+                            <a:schemeClr val="tx1"/>
+                          </a:solidFill>
+                          <a:latin typeface="Courier New" panose="02070309020205020404" pitchFamily="49" charset="0"/>
+                          <a:cs typeface="Courier New" panose="02070309020205020404" pitchFamily="49" charset="0"/>
+                        </a:rPr>
+                        <a:t>messageEvent</a:t>
+                      </a:r>
+                      <a:endParaRPr lang="en-US" sz="1200" dirty="0">
+                        <a:solidFill>
+                          <a:schemeClr val="tx1"/>
+                        </a:solidFill>
+                        <a:latin typeface="Courier New" panose="02070309020205020404" pitchFamily="49" charset="0"/>
+                        <a:cs typeface="Courier New" panose="02070309020205020404" pitchFamily="49" charset="0"/>
+                      </a:endParaRPr>
+                    </a:p>
+                  </a:txBody>
+                  <a:tcPr/>
+                </a:tc>
+                <a:tc>
+                  <a:txBody>
+                    <a:bodyPr/>
+                    <a:lstStyle/>
+                    <a:p>
+                      <a:pPr algn="ctr"/>
+                      <a:r>
+                        <a:rPr lang="en-US" sz="1100" dirty="0">
+                          <a:solidFill>
+                            <a:schemeClr val="tx1"/>
+                          </a:solidFill>
+                          <a:latin typeface="Arial" panose="020B0604020202020204" pitchFamily="34" charset="0"/>
+                          <a:cs typeface="Arial" panose="020B0604020202020204" pitchFamily="34" charset="0"/>
+                        </a:rPr>
+                        <a:t>string</a:t>
+                      </a:r>
+                    </a:p>
+                  </a:txBody>
+                  <a:tcPr/>
+                </a:tc>
+                <a:tc>
+                  <a:txBody>
+                    <a:bodyPr/>
+                    <a:lstStyle/>
+                    <a:p>
+                      <a:pPr marL="0" marR="0" lvl="0" indent="0" algn="ctr" defTabSz="914400" rtl="0" eaLnBrk="1" fontAlgn="auto" latinLnBrk="0" hangingPunct="1">
+                        <a:lnSpc>
+                          <a:spcPct val="100000"/>
+                        </a:lnSpc>
+                        <a:spcBef>
+                          <a:spcPts val="0"/>
+                        </a:spcBef>
+                        <a:spcAft>
+                          <a:spcPts val="0"/>
+                        </a:spcAft>
+                        <a:buClrTx/>
+                        <a:buSzTx/>
+                        <a:buFontTx/>
+                        <a:buNone/>
+                        <a:tabLst/>
+                        <a:defRPr/>
+                      </a:pPr>
+                      <a:r>
+                        <a:rPr lang="en-US" sz="1200" dirty="0">
+                          <a:solidFill>
+                            <a:schemeClr val="tx1"/>
+                          </a:solidFill>
+                          <a:latin typeface="Courier New" panose="02070309020205020404" pitchFamily="49" charset="0"/>
+                          <a:cs typeface="Courier New" panose="02070309020205020404" pitchFamily="49" charset="0"/>
+                        </a:rPr>
+                        <a:t>{“</a:t>
+                      </a:r>
+                      <a:r>
+                        <a:rPr lang="en-US" sz="1200" dirty="0" err="1">
+                          <a:solidFill>
+                            <a:schemeClr val="tx1"/>
+                          </a:solidFill>
+                          <a:latin typeface="Courier New" panose="02070309020205020404" pitchFamily="49" charset="0"/>
+                          <a:cs typeface="Courier New" panose="02070309020205020404" pitchFamily="49" charset="0"/>
+                        </a:rPr>
+                        <a:t>messageEvent</a:t>
+                      </a:r>
+                      <a:r>
+                        <a:rPr lang="en-US" sz="1200" dirty="0">
+                          <a:solidFill>
+                            <a:schemeClr val="tx1"/>
+                          </a:solidFill>
+                          <a:latin typeface="Courier New" panose="02070309020205020404" pitchFamily="49" charset="0"/>
+                          <a:cs typeface="Courier New" panose="02070309020205020404" pitchFamily="49" charset="0"/>
+                        </a:rPr>
+                        <a:t>”:“I’m still here”}</a:t>
+                      </a:r>
+                    </a:p>
+                  </a:txBody>
+                  <a:tcPr/>
+                </a:tc>
+                <a:extLst>
+                  <a:ext uri="{0D108BD9-81ED-4DB2-BD59-A6C34878D82A}">
+                    <a16:rowId xmlns:a16="http://schemas.microsoft.com/office/drawing/2014/main" val="2163479999"/>
+                  </a:ext>
+                </a:extLst>
+              </a:tr>
+              <a:tr h="300446">
+                <a:tc>
+                  <a:txBody>
+                    <a:bodyPr/>
+                    <a:lstStyle/>
+                    <a:p>
+                      <a:pPr marL="0" marR="0" lvl="0" indent="0" algn="ctr" defTabSz="914400" rtl="0" eaLnBrk="1" fontAlgn="auto" latinLnBrk="0" hangingPunct="1">
+                        <a:lnSpc>
+                          <a:spcPct val="100000"/>
+                        </a:lnSpc>
+                        <a:spcBef>
+                          <a:spcPts val="0"/>
+                        </a:spcBef>
+                        <a:spcAft>
+                          <a:spcPts val="0"/>
+                        </a:spcAft>
+                        <a:buClrTx/>
+                        <a:buSzTx/>
+                        <a:buFontTx/>
+                        <a:buNone/>
+                        <a:tabLst/>
+                        <a:defRPr/>
+                      </a:pPr>
+                      <a:r>
+                        <a:rPr lang="en-US" sz="1200" dirty="0"/>
                         <a:t>Property (Read Only)</a:t>
                       </a:r>
                     </a:p>
@@ -4783,6 +4924,266 @@
                   </a:ext>
                 </a:extLst>
               </a:tr>
+            </a:tbl>
+          </a:graphicData>
+        </a:graphic>
+      </p:graphicFrame>
+    </p:spTree>
+    <p:extLst>
+      <p:ext uri="{BB962C8B-B14F-4D97-AF65-F5344CB8AC3E}">
+        <p14:creationId xmlns:p14="http://schemas.microsoft.com/office/powerpoint/2010/main" val="1235341527"/>
+      </p:ext>
+    </p:extLst>
+  </p:cSld>
+  <p:clrMapOvr>
+    <a:masterClrMapping/>
+  </p:clrMapOvr>
+</p:sld>
+</file>
+
+<file path=ppt/slides/slide2.xml><?xml version="1.0" encoding="utf-8"?>
+<p:sld xmlns:a="http://schemas.openxmlformats.org/drawingml/2006/main" xmlns:r="http://schemas.openxmlformats.org/officeDocument/2006/relationships" xmlns:p="http://schemas.openxmlformats.org/presentationml/2006/main">
+  <p:cSld>
+    <p:spTree>
+      <p:nvGrpSpPr>
+        <p:cNvPr id="1" name=""/>
+        <p:cNvGrpSpPr/>
+        <p:nvPr/>
+      </p:nvGrpSpPr>
+      <p:grpSpPr>
+        <a:xfrm>
+          <a:off x="0" y="0"/>
+          <a:ext cx="0" cy="0"/>
+          <a:chOff x="0" y="0"/>
+          <a:chExt cx="0" cy="0"/>
+        </a:xfrm>
+      </p:grpSpPr>
+      <p:sp>
+        <p:nvSpPr>
+          <p:cNvPr id="2" name="Title 1">
+            <a:extLst>
+              <a:ext uri="{FF2B5EF4-FFF2-40B4-BE49-F238E27FC236}">
+                <a16:creationId xmlns:a16="http://schemas.microsoft.com/office/drawing/2014/main" id="{742AE083-EB53-27FE-9983-56C5ECC3B1C8}"/>
+              </a:ext>
+            </a:extLst>
+          </p:cNvPr>
+          <p:cNvSpPr>
+            <a:spLocks noGrp="1"/>
+          </p:cNvSpPr>
+          <p:nvPr>
+            <p:ph type="title"/>
+          </p:nvPr>
+        </p:nvSpPr>
+        <p:spPr/>
+        <p:txBody>
+          <a:bodyPr/>
+          <a:lstStyle/>
+          <a:p>
+            <a:r>
+              <a:rPr lang="en-US" sz="2800" dirty="0">
+                <a:solidFill>
+                  <a:schemeClr val="accent6">
+                    <a:lumMod val="75000"/>
+                  </a:schemeClr>
+                </a:solidFill>
+              </a:rPr>
+              <a:t>Device Model Summary</a:t>
+            </a:r>
+            <a:br>
+              <a:rPr lang="en-US" sz="2800" dirty="0">
+                <a:solidFill>
+                  <a:schemeClr val="accent6">
+                    <a:lumMod val="75000"/>
+                  </a:schemeClr>
+                </a:solidFill>
+              </a:rPr>
+            </a:br>
+            <a:r>
+              <a:rPr lang="en-US" sz="1800" dirty="0">
+                <a:latin typeface="Arial" panose="020B0604020202020204" pitchFamily="34" charset="0"/>
+                <a:cs typeface="Arial" panose="020B0604020202020204" pitchFamily="34" charset="0"/>
+              </a:rPr>
+              <a:t>Model ID = </a:t>
+            </a:r>
+            <a:r>
+              <a:rPr lang="en-US" sz="1800" dirty="0">
+                <a:highlight>
+                  <a:srgbClr val="FFFF00"/>
+                </a:highlight>
+                <a:latin typeface="Courier New" panose="02070309020205020404" pitchFamily="49" charset="0"/>
+                <a:cs typeface="Courier New" panose="02070309020205020404" pitchFamily="49" charset="0"/>
+              </a:rPr>
+              <a:t>dtmi:com:Microchip:WBZ451_Curiosity;2</a:t>
+            </a:r>
+            <a:br>
+              <a:rPr lang="en-US" sz="1800" dirty="0">
+                <a:highlight>
+                  <a:srgbClr val="FFFF00"/>
+                </a:highlight>
+                <a:latin typeface="Courier New" panose="02070309020205020404" pitchFamily="49" charset="0"/>
+                <a:cs typeface="Courier New" panose="02070309020205020404" pitchFamily="49" charset="0"/>
+              </a:rPr>
+            </a:br>
+            <a:r>
+              <a:rPr lang="en-US" sz="1800" dirty="0">
+                <a:latin typeface="Arial" panose="020B0604020202020204" pitchFamily="34" charset="0"/>
+                <a:cs typeface="Arial" panose="020B0604020202020204" pitchFamily="34" charset="0"/>
+              </a:rPr>
+              <a:t>File Name = </a:t>
+            </a:r>
+            <a:r>
+              <a:rPr lang="en-US" sz="1800" dirty="0">
+                <a:highlight>
+                  <a:srgbClr val="F5BD73"/>
+                </a:highlight>
+                <a:latin typeface="Courier New" panose="02070309020205020404" pitchFamily="49" charset="0"/>
+                <a:cs typeface="Courier New" panose="02070309020205020404" pitchFamily="49" charset="0"/>
+              </a:rPr>
+              <a:t>wbz451_curiosity-2.json</a:t>
+            </a:r>
+            <a:endParaRPr lang="en-US" sz="1800" dirty="0"/>
+          </a:p>
+        </p:txBody>
+      </p:sp>
+      <p:graphicFrame>
+        <p:nvGraphicFramePr>
+          <p:cNvPr id="4" name="Table 6">
+            <a:extLst>
+              <a:ext uri="{FF2B5EF4-FFF2-40B4-BE49-F238E27FC236}">
+                <a16:creationId xmlns:a16="http://schemas.microsoft.com/office/drawing/2014/main" id="{310B2144-83D1-3913-D57D-DA70D333129F}"/>
+              </a:ext>
+            </a:extLst>
+          </p:cNvPr>
+          <p:cNvGraphicFramePr>
+            <a:graphicFrameLocks noGrp="1"/>
+          </p:cNvGraphicFramePr>
+          <p:nvPr>
+            <p:extLst>
+              <p:ext uri="{D42A27DB-BD31-4B8C-83A1-F6EECF244321}">
+                <p14:modId xmlns:p14="http://schemas.microsoft.com/office/powerpoint/2010/main" val="1595428435"/>
+              </p:ext>
+            </p:extLst>
+          </p:nvPr>
+        </p:nvGraphicFramePr>
+        <p:xfrm>
+          <a:off x="286542" y="1551585"/>
+          <a:ext cx="8570916" cy="1439403"/>
+        </p:xfrm>
+        <a:graphic>
+          <a:graphicData uri="http://schemas.openxmlformats.org/drawingml/2006/table">
+            <a:tbl>
+              <a:tblPr firstRow="1" bandRow="1">
+                <a:tableStyleId>{5C22544A-7EE6-4342-B048-85BDC9FD1C3A}</a:tableStyleId>
+              </a:tblPr>
+              <a:tblGrid>
+                <a:gridCol w="1807446">
+                  <a:extLst>
+                    <a:ext uri="{9D8B030D-6E8A-4147-A177-3AD203B41FA5}">
+                      <a16:colId xmlns:a16="http://schemas.microsoft.com/office/drawing/2014/main" val="3040698246"/>
+                    </a:ext>
+                  </a:extLst>
+                </a:gridCol>
+                <a:gridCol w="1775511">
+                  <a:extLst>
+                    <a:ext uri="{9D8B030D-6E8A-4147-A177-3AD203B41FA5}">
+                      <a16:colId xmlns:a16="http://schemas.microsoft.com/office/drawing/2014/main" val="3793656128"/>
+                    </a:ext>
+                  </a:extLst>
+                </a:gridCol>
+                <a:gridCol w="958358">
+                  <a:extLst>
+                    <a:ext uri="{9D8B030D-6E8A-4147-A177-3AD203B41FA5}">
+                      <a16:colId xmlns:a16="http://schemas.microsoft.com/office/drawing/2014/main" val="4152533886"/>
+                    </a:ext>
+                  </a:extLst>
+                </a:gridCol>
+                <a:gridCol w="4029601">
+                  <a:extLst>
+                    <a:ext uri="{9D8B030D-6E8A-4147-A177-3AD203B41FA5}">
+                      <a16:colId xmlns:a16="http://schemas.microsoft.com/office/drawing/2014/main" val="2548948971"/>
+                    </a:ext>
+                  </a:extLst>
+                </a:gridCol>
+              </a:tblGrid>
+              <a:tr h="240001">
+                <a:tc>
+                  <a:txBody>
+                    <a:bodyPr/>
+                    <a:lstStyle/>
+                    <a:p>
+                      <a:pPr algn="ctr"/>
+                      <a:r>
+                        <a:rPr lang="en-US" sz="1400" dirty="0">
+                          <a:solidFill>
+                            <a:schemeClr val="tx1"/>
+                          </a:solidFill>
+                        </a:rPr>
+                        <a:t>Type</a:t>
+                      </a:r>
+                    </a:p>
+                  </a:txBody>
+                  <a:tcPr/>
+                </a:tc>
+                <a:tc>
+                  <a:txBody>
+                    <a:bodyPr/>
+                    <a:lstStyle/>
+                    <a:p>
+                      <a:pPr algn="ctr"/>
+                      <a:r>
+                        <a:rPr lang="en-US" sz="1400" dirty="0">
+                          <a:solidFill>
+                            <a:schemeClr val="tx1"/>
+                          </a:solidFill>
+                        </a:rPr>
+                        <a:t>Name</a:t>
+                      </a:r>
+                    </a:p>
+                  </a:txBody>
+                  <a:tcPr/>
+                </a:tc>
+                <a:tc>
+                  <a:txBody>
+                    <a:bodyPr/>
+                    <a:lstStyle/>
+                    <a:p>
+                      <a:pPr algn="ctr"/>
+                      <a:r>
+                        <a:rPr lang="en-US" sz="1400" dirty="0">
+                          <a:solidFill>
+                            <a:schemeClr val="tx1"/>
+                          </a:solidFill>
+                        </a:rPr>
+                        <a:t>Schema</a:t>
+                      </a:r>
+                    </a:p>
+                  </a:txBody>
+                  <a:tcPr/>
+                </a:tc>
+                <a:tc>
+                  <a:txBody>
+                    <a:bodyPr/>
+                    <a:lstStyle/>
+                    <a:p>
+                      <a:pPr algn="ctr"/>
+                      <a:r>
+                        <a:rPr lang="en-US" sz="1400" dirty="0">
+                          <a:solidFill>
+                            <a:schemeClr val="tx1"/>
+                          </a:solidFill>
+                        </a:rPr>
+                        <a:t>Example JSON Message/Format</a:t>
+                      </a:r>
+                    </a:p>
+                  </a:txBody>
+                  <a:tcPr/>
+                </a:tc>
+                <a:extLst>
+                  <a:ext uri="{0D108BD9-81ED-4DB2-BD59-A6C34878D82A}">
+                    <a16:rowId xmlns:a16="http://schemas.microsoft.com/office/drawing/2014/main" val="2993107079"/>
+                  </a:ext>
+                </a:extLst>
+              </a:tr>
               <a:tr h="285517">
                 <a:tc>
                   <a:txBody>
@@ -5408,7 +5809,7 @@
     </p:spTree>
     <p:extLst>
       <p:ext uri="{BB962C8B-B14F-4D97-AF65-F5344CB8AC3E}">
-        <p14:creationId xmlns:p14="http://schemas.microsoft.com/office/powerpoint/2010/main" val="1235341527"/>
+        <p14:creationId xmlns:p14="http://schemas.microsoft.com/office/powerpoint/2010/main" val="938382221"/>
       </p:ext>
     </p:extLst>
   </p:cSld>
@@ -6432,6 +6833,15 @@
 </file>
 
 <file path=customXml/item1.xml><?xml version="1.0" encoding="utf-8"?>
+<?mso-contentType ?>
+<FormTemplates xmlns="http://schemas.microsoft.com/sharepoint/v3/contenttype/forms">
+  <Display>DocumentLibraryForm</Display>
+  <Edit>DocumentLibraryForm</Edit>
+  <New>DocumentLibraryForm</New>
+</FormTemplates>
+</file>
+
+<file path=customXml/item2.xml><?xml version="1.0" encoding="utf-8"?>
 <ct:contentTypeSchema xmlns:ct="http://schemas.microsoft.com/office/2006/metadata/contentType" xmlns:ma="http://schemas.microsoft.com/office/2006/metadata/properties/metaAttributes" ct:_="" ma:_="" ma:contentTypeName="Document" ma:contentTypeID="0x0101004133D5F967D14C478A9B93B6E4AAE0A1" ma:contentTypeVersion="12" ma:contentTypeDescription="Create a new document." ma:contentTypeScope="" ma:versionID="be39687eb0009d0a279fadb1ee38cbf3">
   <xsd:schema xmlns:xsd="http://www.w3.org/2001/XMLSchema" xmlns:xs="http://www.w3.org/2001/XMLSchema" xmlns:p="http://schemas.microsoft.com/office/2006/metadata/properties" xmlns:ns2="33c4a4ff-b22f-4379-b335-5d18aca9a9f1" xmlns:ns3="558cdac9-e1e2-427d-84c4-2e31b7ae4963" targetNamespace="http://schemas.microsoft.com/office/2006/metadata/properties" ma:root="true" ma:fieldsID="7252c307e70b2973b92a92ec92737868" ns2:_="" ns3:_="">
     <xsd:import namespace="33c4a4ff-b22f-4379-b335-5d18aca9a9f1"/>
@@ -6626,15 +7036,6 @@
 </ct:contentTypeSchema>
 </file>
 
-<file path=customXml/item2.xml><?xml version="1.0" encoding="utf-8"?>
-<?mso-contentType ?>
-<FormTemplates xmlns="http://schemas.microsoft.com/sharepoint/v3/contenttype/forms">
-  <Display>DocumentLibraryForm</Display>
-  <Edit>DocumentLibraryForm</Edit>
-  <New>DocumentLibraryForm</New>
-</FormTemplates>
-</file>
-
 <file path=customXml/item3.xml><?xml version="1.0" encoding="utf-8"?>
 <p:properties xmlns:p="http://schemas.microsoft.com/office/2006/metadata/properties" xmlns:xsi="http://www.w3.org/2001/XMLSchema-instance" xmlns:pc="http://schemas.microsoft.com/office/infopath/2007/PartnerControls">
   <documentManagement>
@@ -6647,6 +7048,14 @@
 </file>
 
 <file path=customXml/itemProps1.xml><?xml version="1.0" encoding="utf-8"?>
+<ds:datastoreItem xmlns:ds="http://schemas.openxmlformats.org/officeDocument/2006/customXml" ds:itemID="{DA8BEAEE-6B1D-4561-8298-B3692BAE161A}">
+  <ds:schemaRefs>
+    <ds:schemaRef ds:uri="http://schemas.microsoft.com/sharepoint/v3/contenttype/forms"/>
+  </ds:schemaRefs>
+</ds:datastoreItem>
+</file>
+
+<file path=customXml/itemProps2.xml><?xml version="1.0" encoding="utf-8"?>
 <ds:datastoreItem xmlns:ds="http://schemas.openxmlformats.org/officeDocument/2006/customXml" ds:itemID="{83E0CF9D-0F51-4E15-AFD5-E6866B97076E}">
   <ds:schemaRefs>
     <ds:schemaRef ds:uri="http://schemas.microsoft.com/office/2006/metadata/contentType"/>
@@ -6661,14 +7070,6 @@
     <ds:schemaRef ds:uri="http://purl.org/dc/elements/1.1/"/>
     <ds:schemaRef ds:uri="http://purl.org/dc/terms/"/>
     <ds:schemaRef ds:uri="http://schemas.microsoft.com/internal/obd"/>
-  </ds:schemaRefs>
-</ds:datastoreItem>
-</file>
-
-<file path=customXml/itemProps2.xml><?xml version="1.0" encoding="utf-8"?>
-<ds:datastoreItem xmlns:ds="http://schemas.openxmlformats.org/officeDocument/2006/customXml" ds:itemID="{DA8BEAEE-6B1D-4561-8298-B3692BAE161A}">
-  <ds:schemaRefs>
-    <ds:schemaRef ds:uri="http://schemas.microsoft.com/sharepoint/v3/contenttype/forms"/>
   </ds:schemaRefs>
 </ds:datastoreItem>
 </file>

--- a/device_model/wbz451_curiosity-2.pptx
+++ b/device_model/wbz451_curiosity-2.pptx
@@ -3138,7 +3138,7 @@
           <p:nvPr>
             <p:extLst>
               <p:ext uri="{D42A27DB-BD31-4B8C-83A1-F6EECF244321}">
-                <p14:modId xmlns:p14="http://schemas.microsoft.com/office/powerpoint/2010/main" val="3368520730"/>
+                <p14:modId xmlns:p14="http://schemas.microsoft.com/office/powerpoint/2010/main" val="3657871492"/>
               </p:ext>
             </p:extLst>
           </p:nvPr>
@@ -3168,14 +3168,14 @@
                     </a:ext>
                   </a:extLst>
                 </a:gridCol>
-                <a:gridCol w="958358">
+                <a:gridCol w="870667">
                   <a:extLst>
                     <a:ext uri="{9D8B030D-6E8A-4147-A177-3AD203B41FA5}">
                       <a16:colId xmlns:a16="http://schemas.microsoft.com/office/drawing/2014/main" val="4152533886"/>
                     </a:ext>
                   </a:extLst>
                 </a:gridCol>
-                <a:gridCol w="4029601">
+                <a:gridCol w="4117292">
                   <a:extLst>
                     <a:ext uri="{9D8B030D-6E8A-4147-A177-3AD203B41FA5}">
                       <a16:colId xmlns:a16="http://schemas.microsoft.com/office/drawing/2014/main" val="2548948971"/>
@@ -3720,7 +3720,7 @@
                           <a:latin typeface="Courier New" panose="02070309020205020404" pitchFamily="49" charset="0"/>
                           <a:cs typeface="Courier New" panose="02070309020205020404" pitchFamily="49" charset="0"/>
                         </a:rPr>
-                        <a:t>firmwareVersion</a:t>
+                        <a:t>WINC_FW_version</a:t>
                       </a:r>
                       <a:endParaRPr lang="en-US" sz="1200" dirty="0">
                         <a:solidFill>
@@ -3783,7 +3783,7 @@
                           <a:latin typeface="Courier New" panose="02070309020205020404" pitchFamily="49" charset="0"/>
                           <a:cs typeface="Courier New" panose="02070309020205020404" pitchFamily="49" charset="0"/>
                         </a:rPr>
-                        <a:t>{“firmwareVersion”:“19.7.7.19759”}</a:t>
+                        <a:t>{“WINC_FW_version”:“19.7.7.19759”}</a:t>
                       </a:r>
                     </a:p>
                   </a:txBody>
@@ -6833,15 +6833,6 @@
 </file>
 
 <file path=customXml/item1.xml><?xml version="1.0" encoding="utf-8"?>
-<?mso-contentType ?>
-<FormTemplates xmlns="http://schemas.microsoft.com/sharepoint/v3/contenttype/forms">
-  <Display>DocumentLibraryForm</Display>
-  <Edit>DocumentLibraryForm</Edit>
-  <New>DocumentLibraryForm</New>
-</FormTemplates>
-</file>
-
-<file path=customXml/item2.xml><?xml version="1.0" encoding="utf-8"?>
 <ct:contentTypeSchema xmlns:ct="http://schemas.microsoft.com/office/2006/metadata/contentType" xmlns:ma="http://schemas.microsoft.com/office/2006/metadata/properties/metaAttributes" ct:_="" ma:_="" ma:contentTypeName="Document" ma:contentTypeID="0x0101004133D5F967D14C478A9B93B6E4AAE0A1" ma:contentTypeVersion="12" ma:contentTypeDescription="Create a new document." ma:contentTypeScope="" ma:versionID="be39687eb0009d0a279fadb1ee38cbf3">
   <xsd:schema xmlns:xsd="http://www.w3.org/2001/XMLSchema" xmlns:xs="http://www.w3.org/2001/XMLSchema" xmlns:p="http://schemas.microsoft.com/office/2006/metadata/properties" xmlns:ns2="33c4a4ff-b22f-4379-b335-5d18aca9a9f1" xmlns:ns3="558cdac9-e1e2-427d-84c4-2e31b7ae4963" targetNamespace="http://schemas.microsoft.com/office/2006/metadata/properties" ma:root="true" ma:fieldsID="7252c307e70b2973b92a92ec92737868" ns2:_="" ns3:_="">
     <xsd:import namespace="33c4a4ff-b22f-4379-b335-5d18aca9a9f1"/>
@@ -7036,6 +7027,15 @@
 </ct:contentTypeSchema>
 </file>
 
+<file path=customXml/item2.xml><?xml version="1.0" encoding="utf-8"?>
+<?mso-contentType ?>
+<FormTemplates xmlns="http://schemas.microsoft.com/sharepoint/v3/contenttype/forms">
+  <Display>DocumentLibraryForm</Display>
+  <Edit>DocumentLibraryForm</Edit>
+  <New>DocumentLibraryForm</New>
+</FormTemplates>
+</file>
+
 <file path=customXml/item3.xml><?xml version="1.0" encoding="utf-8"?>
 <p:properties xmlns:p="http://schemas.microsoft.com/office/2006/metadata/properties" xmlns:xsi="http://www.w3.org/2001/XMLSchema-instance" xmlns:pc="http://schemas.microsoft.com/office/infopath/2007/PartnerControls">
   <documentManagement>
@@ -7048,14 +7048,6 @@
 </file>
 
 <file path=customXml/itemProps1.xml><?xml version="1.0" encoding="utf-8"?>
-<ds:datastoreItem xmlns:ds="http://schemas.openxmlformats.org/officeDocument/2006/customXml" ds:itemID="{DA8BEAEE-6B1D-4561-8298-B3692BAE161A}">
-  <ds:schemaRefs>
-    <ds:schemaRef ds:uri="http://schemas.microsoft.com/sharepoint/v3/contenttype/forms"/>
-  </ds:schemaRefs>
-</ds:datastoreItem>
-</file>
-
-<file path=customXml/itemProps2.xml><?xml version="1.0" encoding="utf-8"?>
 <ds:datastoreItem xmlns:ds="http://schemas.openxmlformats.org/officeDocument/2006/customXml" ds:itemID="{83E0CF9D-0F51-4E15-AFD5-E6866B97076E}">
   <ds:schemaRefs>
     <ds:schemaRef ds:uri="http://schemas.microsoft.com/office/2006/metadata/contentType"/>
@@ -7070,6 +7062,14 @@
     <ds:schemaRef ds:uri="http://purl.org/dc/elements/1.1/"/>
     <ds:schemaRef ds:uri="http://purl.org/dc/terms/"/>
     <ds:schemaRef ds:uri="http://schemas.microsoft.com/internal/obd"/>
+  </ds:schemaRefs>
+</ds:datastoreItem>
+</file>
+
+<file path=customXml/itemProps2.xml><?xml version="1.0" encoding="utf-8"?>
+<ds:datastoreItem xmlns:ds="http://schemas.openxmlformats.org/officeDocument/2006/customXml" ds:itemID="{DA8BEAEE-6B1D-4561-8298-B3692BAE161A}">
+  <ds:schemaRefs>
+    <ds:schemaRef ds:uri="http://schemas.microsoft.com/sharepoint/v3/contenttype/forms"/>
   </ds:schemaRefs>
 </ds:datastoreItem>
 </file>

--- a/device_model/wbz451_curiosity-2.pptx
+++ b/device_model/wbz451_curiosity-2.pptx
@@ -198,7 +198,7 @@
           <a:p>
             <a:fld id="{FD501506-38D8-4E22-82D3-5FD4ADAE0670}" type="datetimeFigureOut">
               <a:rPr lang="en-US" smtClean="0"/>
-              <a:t>5/1/23</a:t>
+              <a:t>5/2/23</a:t>
             </a:fld>
             <a:endParaRPr lang="en-US"/>
           </a:p>
@@ -650,7 +650,7 @@
           <a:p>
             <a:fld id="{3620004A-883C-4245-985B-D234050ABC20}" type="datetimeFigureOut">
               <a:rPr lang="en-US" smtClean="0"/>
-              <a:t>5/1/23</a:t>
+              <a:t>5/2/23</a:t>
             </a:fld>
             <a:endParaRPr lang="en-US"/>
           </a:p>
@@ -2577,7 +2577,7 @@
           <a:p>
             <a:fld id="{3620004A-883C-4245-985B-D234050ABC20}" type="datetimeFigureOut">
               <a:rPr lang="en-US" smtClean="0"/>
-              <a:t>5/1/23</a:t>
+              <a:t>5/2/23</a:t>
             </a:fld>
             <a:endParaRPr lang="en-US"/>
           </a:p>
@@ -3138,7 +3138,7 @@
           <p:nvPr>
             <p:extLst>
               <p:ext uri="{D42A27DB-BD31-4B8C-83A1-F6EECF244321}">
-                <p14:modId xmlns:p14="http://schemas.microsoft.com/office/powerpoint/2010/main" val="3657871492"/>
+                <p14:modId xmlns:p14="http://schemas.microsoft.com/office/powerpoint/2010/main" val="3479347822"/>
               </p:ext>
             </p:extLst>
           </p:nvPr>
@@ -3436,7 +3436,7 @@
                           <a:latin typeface="Courier New" panose="02070309020205020404" pitchFamily="49" charset="0"/>
                           <a:cs typeface="Courier New" panose="02070309020205020404" pitchFamily="49" charset="0"/>
                         </a:rPr>
-                        <a:t>button_event</a:t>
+                        <a:t>buttonPress</a:t>
                       </a:r>
                       <a:endParaRPr lang="en-US" sz="1100" dirty="0">
                         <a:solidFill>
@@ -3493,7 +3493,7 @@
                           <a:latin typeface="Courier New" panose="02070309020205020404" pitchFamily="49" charset="0"/>
                           <a:cs typeface="Courier New" panose="02070309020205020404" pitchFamily="49" charset="0"/>
                         </a:rPr>
-                        <a:t>button_event</a:t>
+                        <a:t>buttonPress</a:t>
                       </a:r>
                       <a:r>
                         <a:rPr lang="en-US" sz="1200" dirty="0">
@@ -6833,6 +6833,15 @@
 </file>
 
 <file path=customXml/item1.xml><?xml version="1.0" encoding="utf-8"?>
+<?mso-contentType ?>
+<FormTemplates xmlns="http://schemas.microsoft.com/sharepoint/v3/contenttype/forms">
+  <Display>DocumentLibraryForm</Display>
+  <Edit>DocumentLibraryForm</Edit>
+  <New>DocumentLibraryForm</New>
+</FormTemplates>
+</file>
+
+<file path=customXml/item2.xml><?xml version="1.0" encoding="utf-8"?>
 <ct:contentTypeSchema xmlns:ct="http://schemas.microsoft.com/office/2006/metadata/contentType" xmlns:ma="http://schemas.microsoft.com/office/2006/metadata/properties/metaAttributes" ct:_="" ma:_="" ma:contentTypeName="Document" ma:contentTypeID="0x0101004133D5F967D14C478A9B93B6E4AAE0A1" ma:contentTypeVersion="12" ma:contentTypeDescription="Create a new document." ma:contentTypeScope="" ma:versionID="be39687eb0009d0a279fadb1ee38cbf3">
   <xsd:schema xmlns:xsd="http://www.w3.org/2001/XMLSchema" xmlns:xs="http://www.w3.org/2001/XMLSchema" xmlns:p="http://schemas.microsoft.com/office/2006/metadata/properties" xmlns:ns2="33c4a4ff-b22f-4379-b335-5d18aca9a9f1" xmlns:ns3="558cdac9-e1e2-427d-84c4-2e31b7ae4963" targetNamespace="http://schemas.microsoft.com/office/2006/metadata/properties" ma:root="true" ma:fieldsID="7252c307e70b2973b92a92ec92737868" ns2:_="" ns3:_="">
     <xsd:import namespace="33c4a4ff-b22f-4379-b335-5d18aca9a9f1"/>
@@ -7027,15 +7036,6 @@
 </ct:contentTypeSchema>
 </file>
 
-<file path=customXml/item2.xml><?xml version="1.0" encoding="utf-8"?>
-<?mso-contentType ?>
-<FormTemplates xmlns="http://schemas.microsoft.com/sharepoint/v3/contenttype/forms">
-  <Display>DocumentLibraryForm</Display>
-  <Edit>DocumentLibraryForm</Edit>
-  <New>DocumentLibraryForm</New>
-</FormTemplates>
-</file>
-
 <file path=customXml/item3.xml><?xml version="1.0" encoding="utf-8"?>
 <p:properties xmlns:p="http://schemas.microsoft.com/office/2006/metadata/properties" xmlns:xsi="http://www.w3.org/2001/XMLSchema-instance" xmlns:pc="http://schemas.microsoft.com/office/infopath/2007/PartnerControls">
   <documentManagement>
@@ -7048,6 +7048,14 @@
 </file>
 
 <file path=customXml/itemProps1.xml><?xml version="1.0" encoding="utf-8"?>
+<ds:datastoreItem xmlns:ds="http://schemas.openxmlformats.org/officeDocument/2006/customXml" ds:itemID="{DA8BEAEE-6B1D-4561-8298-B3692BAE161A}">
+  <ds:schemaRefs>
+    <ds:schemaRef ds:uri="http://schemas.microsoft.com/sharepoint/v3/contenttype/forms"/>
+  </ds:schemaRefs>
+</ds:datastoreItem>
+</file>
+
+<file path=customXml/itemProps2.xml><?xml version="1.0" encoding="utf-8"?>
 <ds:datastoreItem xmlns:ds="http://schemas.openxmlformats.org/officeDocument/2006/customXml" ds:itemID="{83E0CF9D-0F51-4E15-AFD5-E6866B97076E}">
   <ds:schemaRefs>
     <ds:schemaRef ds:uri="http://schemas.microsoft.com/office/2006/metadata/contentType"/>
@@ -7062,14 +7070,6 @@
     <ds:schemaRef ds:uri="http://purl.org/dc/elements/1.1/"/>
     <ds:schemaRef ds:uri="http://purl.org/dc/terms/"/>
     <ds:schemaRef ds:uri="http://schemas.microsoft.com/internal/obd"/>
-  </ds:schemaRefs>
-</ds:datastoreItem>
-</file>
-
-<file path=customXml/itemProps2.xml><?xml version="1.0" encoding="utf-8"?>
-<ds:datastoreItem xmlns:ds="http://schemas.openxmlformats.org/officeDocument/2006/customXml" ds:itemID="{DA8BEAEE-6B1D-4561-8298-B3692BAE161A}">
-  <ds:schemaRefs>
-    <ds:schemaRef ds:uri="http://schemas.microsoft.com/sharepoint/v3/contenttype/forms"/>
   </ds:schemaRefs>
 </ds:datastoreItem>
 </file>
